--- a/13 - Come, Thou Almighty King.pptx
+++ b/13 - Come, Thou Almighty King.pptx
@@ -243,7 +243,7 @@
           <a:p>
             <a:fld id="{32F7251A-AE54-443C-B8FE-5F636E835EBF}" type="datetimeFigureOut">
               <a:rPr lang="en-US" smtClean="0"/>
-              <a:t>3/10/2019</a:t>
+              <a:t>8/2/2020</a:t>
             </a:fld>
             <a:endParaRPr lang="en-US"/>
           </a:p>
@@ -411,7 +411,7 @@
           <a:p>
             <a:fld id="{32F7251A-AE54-443C-B8FE-5F636E835EBF}" type="datetimeFigureOut">
               <a:rPr lang="en-US" smtClean="0"/>
-              <a:t>3/10/2019</a:t>
+              <a:t>8/2/2020</a:t>
             </a:fld>
             <a:endParaRPr lang="en-US"/>
           </a:p>
@@ -589,7 +589,7 @@
           <a:p>
             <a:fld id="{32F7251A-AE54-443C-B8FE-5F636E835EBF}" type="datetimeFigureOut">
               <a:rPr lang="en-US" smtClean="0"/>
-              <a:t>3/10/2019</a:t>
+              <a:t>8/2/2020</a:t>
             </a:fld>
             <a:endParaRPr lang="en-US"/>
           </a:p>
@@ -757,7 +757,7 @@
           <a:p>
             <a:fld id="{32F7251A-AE54-443C-B8FE-5F636E835EBF}" type="datetimeFigureOut">
               <a:rPr lang="en-US" smtClean="0"/>
-              <a:t>3/10/2019</a:t>
+              <a:t>8/2/2020</a:t>
             </a:fld>
             <a:endParaRPr lang="en-US"/>
           </a:p>
@@ -1002,7 +1002,7 @@
           <a:p>
             <a:fld id="{32F7251A-AE54-443C-B8FE-5F636E835EBF}" type="datetimeFigureOut">
               <a:rPr lang="en-US" smtClean="0"/>
-              <a:t>3/10/2019</a:t>
+              <a:t>8/2/2020</a:t>
             </a:fld>
             <a:endParaRPr lang="en-US"/>
           </a:p>
@@ -1231,7 +1231,7 @@
           <a:p>
             <a:fld id="{32F7251A-AE54-443C-B8FE-5F636E835EBF}" type="datetimeFigureOut">
               <a:rPr lang="en-US" smtClean="0"/>
-              <a:t>3/10/2019</a:t>
+              <a:t>8/2/2020</a:t>
             </a:fld>
             <a:endParaRPr lang="en-US"/>
           </a:p>
@@ -1595,7 +1595,7 @@
           <a:p>
             <a:fld id="{32F7251A-AE54-443C-B8FE-5F636E835EBF}" type="datetimeFigureOut">
               <a:rPr lang="en-US" smtClean="0"/>
-              <a:t>3/10/2019</a:t>
+              <a:t>8/2/2020</a:t>
             </a:fld>
             <a:endParaRPr lang="en-US"/>
           </a:p>
@@ -1712,7 +1712,7 @@
           <a:p>
             <a:fld id="{32F7251A-AE54-443C-B8FE-5F636E835EBF}" type="datetimeFigureOut">
               <a:rPr lang="en-US" smtClean="0"/>
-              <a:t>3/10/2019</a:t>
+              <a:t>8/2/2020</a:t>
             </a:fld>
             <a:endParaRPr lang="en-US"/>
           </a:p>
@@ -1807,7 +1807,7 @@
           <a:p>
             <a:fld id="{32F7251A-AE54-443C-B8FE-5F636E835EBF}" type="datetimeFigureOut">
               <a:rPr lang="en-US" smtClean="0"/>
-              <a:t>3/10/2019</a:t>
+              <a:t>8/2/2020</a:t>
             </a:fld>
             <a:endParaRPr lang="en-US"/>
           </a:p>
@@ -2082,7 +2082,7 @@
           <a:p>
             <a:fld id="{32F7251A-AE54-443C-B8FE-5F636E835EBF}" type="datetimeFigureOut">
               <a:rPr lang="en-US" smtClean="0"/>
-              <a:t>3/10/2019</a:t>
+              <a:t>8/2/2020</a:t>
             </a:fld>
             <a:endParaRPr lang="en-US"/>
           </a:p>
@@ -2334,7 +2334,7 @@
           <a:p>
             <a:fld id="{32F7251A-AE54-443C-B8FE-5F636E835EBF}" type="datetimeFigureOut">
               <a:rPr lang="en-US" smtClean="0"/>
-              <a:t>3/10/2019</a:t>
+              <a:t>8/2/2020</a:t>
             </a:fld>
             <a:endParaRPr lang="en-US"/>
           </a:p>
@@ -2401,7 +2401,9 @@
     <p:bg>
       <p:bgPr>
         <a:solidFill>
-          <a:srgbClr val="333333"/>
+          <a:schemeClr val="bg1">
+            <a:lumMod val="10000"/>
+          </a:schemeClr>
         </a:solidFill>
         <a:effectLst/>
       </p:bgPr>
@@ -2548,7 +2550,7 @@
           <a:p>
             <a:fld id="{32F7251A-AE54-443C-B8FE-5F636E835EBF}" type="datetimeFigureOut">
               <a:rPr lang="en-US" smtClean="0"/>
-              <a:t>3/10/2019</a:t>
+              <a:t>8/2/2020</a:t>
             </a:fld>
             <a:endParaRPr lang="en-US"/>
           </a:p>
@@ -3018,8 +3020,8 @@
         </p:nvSpPr>
         <p:spPr>
           <a:xfrm>
-            <a:off x="0" y="5804209"/>
-            <a:ext cx="12192000" cy="830997"/>
+            <a:off x="0" y="5927320"/>
+            <a:ext cx="12192000" cy="584775"/>
           </a:xfrm>
           <a:prstGeom prst="rect">
             <a:avLst/>
@@ -3034,10 +3036,12 @@
           <a:p>
             <a:pPr algn="ctr"/>
             <a:r>
-              <a:rPr lang="en-US" sz="4800" dirty="0">
+              <a:rPr lang="en-US" sz="3200" u="sng" dirty="0">
                 <a:solidFill>
                   <a:schemeClr val="bg1"/>
                 </a:solidFill>
+                <a:latin typeface="Assistant SemiBold" panose="00000700000000000000" pitchFamily="2" charset="-79"/>
+                <a:cs typeface="Assistant SemiBold" panose="00000700000000000000" pitchFamily="2" charset="-79"/>
               </a:rPr>
               <a:t>“Come, Thou Almighty King”</a:t>
             </a:r>
@@ -3052,8 +3056,8 @@
         </p:nvSpPr>
         <p:spPr>
           <a:xfrm>
-            <a:off x="0" y="480444"/>
-            <a:ext cx="12192000" cy="4524315"/>
+            <a:off x="0" y="937644"/>
+            <a:ext cx="12192000" cy="3539430"/>
           </a:xfrm>
           <a:prstGeom prst="rect">
             <a:avLst/>
@@ -3068,10 +3072,12 @@
           <a:p>
             <a:pPr algn="ctr"/>
             <a:r>
-              <a:rPr lang="en-US" sz="3600" dirty="0">
+              <a:rPr lang="en-US" sz="2800" spc="50" dirty="0">
                 <a:solidFill>
                   <a:schemeClr val="bg1"/>
                 </a:solidFill>
+                <a:latin typeface="Assistant" panose="00000500000000000000" pitchFamily="2" charset="-79"/>
+                <a:cs typeface="Assistant" panose="00000500000000000000" pitchFamily="2" charset="-79"/>
               </a:rPr>
               <a:t>Come, Thou Almighty King,</a:t>
             </a:r>
@@ -3079,10 +3085,12 @@
           <a:p>
             <a:pPr algn="ctr"/>
             <a:r>
-              <a:rPr lang="en-US" sz="3600" dirty="0">
+              <a:rPr lang="en-US" sz="2800" spc="50" dirty="0">
                 <a:solidFill>
                   <a:schemeClr val="bg1"/>
                 </a:solidFill>
+                <a:latin typeface="Assistant" panose="00000500000000000000" pitchFamily="2" charset="-79"/>
+                <a:cs typeface="Assistant" panose="00000500000000000000" pitchFamily="2" charset="-79"/>
               </a:rPr>
               <a:t>Help us Thy name to sing,</a:t>
             </a:r>
@@ -3090,29 +3098,35 @@
           <a:p>
             <a:pPr algn="ctr"/>
             <a:r>
-              <a:rPr lang="en-US" sz="3600" dirty="0">
+              <a:rPr lang="en-US" sz="2800" spc="50" dirty="0">
                 <a:solidFill>
                   <a:schemeClr val="bg1"/>
                 </a:solidFill>
+                <a:latin typeface="Assistant" panose="00000500000000000000" pitchFamily="2" charset="-79"/>
+                <a:cs typeface="Assistant" panose="00000500000000000000" pitchFamily="2" charset="-79"/>
               </a:rPr>
               <a:t>Help us to praise!</a:t>
             </a:r>
           </a:p>
           <a:p>
             <a:pPr algn="ctr"/>
-            <a:endParaRPr lang="en-US" sz="3600" dirty="0">
+            <a:endParaRPr lang="en-US" sz="2800" spc="50" dirty="0">
               <a:solidFill>
                 <a:schemeClr val="bg1"/>
               </a:solidFill>
+              <a:latin typeface="Assistant" panose="00000500000000000000" pitchFamily="2" charset="-79"/>
+              <a:cs typeface="Assistant" panose="00000500000000000000" pitchFamily="2" charset="-79"/>
             </a:endParaRPr>
           </a:p>
           <a:p>
             <a:pPr algn="ctr"/>
             <a:r>
-              <a:rPr lang="en-US" sz="3600" dirty="0">
+              <a:rPr lang="en-US" sz="2800" spc="50" dirty="0">
                 <a:solidFill>
                   <a:schemeClr val="bg1"/>
                 </a:solidFill>
+                <a:latin typeface="Assistant" panose="00000500000000000000" pitchFamily="2" charset="-79"/>
+                <a:cs typeface="Assistant" panose="00000500000000000000" pitchFamily="2" charset="-79"/>
               </a:rPr>
               <a:t>Father all glorious,</a:t>
             </a:r>
@@ -3120,10 +3134,12 @@
           <a:p>
             <a:pPr algn="ctr"/>
             <a:r>
-              <a:rPr lang="en-US" sz="3600" dirty="0">
+              <a:rPr lang="en-US" sz="2800" spc="50" dirty="0">
                 <a:solidFill>
                   <a:schemeClr val="bg1"/>
                 </a:solidFill>
+                <a:latin typeface="Assistant" panose="00000500000000000000" pitchFamily="2" charset="-79"/>
+                <a:cs typeface="Assistant" panose="00000500000000000000" pitchFamily="2" charset="-79"/>
               </a:rPr>
               <a:t>O’er all victorious,</a:t>
             </a:r>
@@ -3131,10 +3147,12 @@
           <a:p>
             <a:pPr algn="ctr"/>
             <a:r>
-              <a:rPr lang="en-US" sz="3600" dirty="0">
+              <a:rPr lang="en-US" sz="2800" spc="50" dirty="0">
                 <a:solidFill>
                   <a:schemeClr val="bg1"/>
                 </a:solidFill>
+                <a:latin typeface="Assistant" panose="00000500000000000000" pitchFamily="2" charset="-79"/>
+                <a:cs typeface="Assistant" panose="00000500000000000000" pitchFamily="2" charset="-79"/>
               </a:rPr>
               <a:t>Come and reign over us,</a:t>
             </a:r>
@@ -3142,10 +3160,12 @@
           <a:p>
             <a:pPr algn="ctr"/>
             <a:r>
-              <a:rPr lang="en-US" sz="3600" dirty="0">
+              <a:rPr lang="en-US" sz="2800" spc="50" dirty="0">
                 <a:solidFill>
                   <a:schemeClr val="bg1"/>
                 </a:solidFill>
+                <a:latin typeface="Assistant" panose="00000500000000000000" pitchFamily="2" charset="-79"/>
+                <a:cs typeface="Assistant" panose="00000500000000000000" pitchFamily="2" charset="-79"/>
               </a:rPr>
               <a:t>Alpha of Days!</a:t>
             </a:r>
@@ -3247,8 +3267,8 @@
         </p:nvSpPr>
         <p:spPr>
           <a:xfrm>
-            <a:off x="0" y="5804209"/>
-            <a:ext cx="12192000" cy="830997"/>
+            <a:off x="0" y="5927320"/>
+            <a:ext cx="12192000" cy="584775"/>
           </a:xfrm>
           <a:prstGeom prst="rect">
             <a:avLst/>
@@ -3263,10 +3283,12 @@
           <a:p>
             <a:pPr algn="ctr"/>
             <a:r>
-              <a:rPr lang="en-US" sz="4800" dirty="0">
+              <a:rPr lang="en-US" sz="3200" u="sng" dirty="0">
                 <a:solidFill>
                   <a:schemeClr val="bg1"/>
                 </a:solidFill>
+                <a:latin typeface="Assistant SemiBold" panose="00000700000000000000" pitchFamily="2" charset="-79"/>
+                <a:cs typeface="Assistant SemiBold" panose="00000700000000000000" pitchFamily="2" charset="-79"/>
               </a:rPr>
               <a:t>“Come, Thou Almighty King”</a:t>
             </a:r>
@@ -3281,8 +3303,8 @@
         </p:nvSpPr>
         <p:spPr>
           <a:xfrm>
-            <a:off x="0" y="480444"/>
-            <a:ext cx="12192000" cy="4524315"/>
+            <a:off x="0" y="1000396"/>
+            <a:ext cx="12192000" cy="3539430"/>
           </a:xfrm>
           <a:prstGeom prst="rect">
             <a:avLst/>
@@ -3297,10 +3319,12 @@
           <a:p>
             <a:pPr algn="ctr"/>
             <a:r>
-              <a:rPr lang="en-US" sz="3600" dirty="0">
+              <a:rPr lang="en-US" sz="2800" spc="50" dirty="0">
                 <a:solidFill>
                   <a:schemeClr val="bg1"/>
                 </a:solidFill>
+                <a:latin typeface="Assistant" panose="00000500000000000000" pitchFamily="2" charset="-79"/>
+                <a:cs typeface="Assistant" panose="00000500000000000000" pitchFamily="2" charset="-79"/>
               </a:rPr>
               <a:t>Jesus, our Lord, arise,</a:t>
             </a:r>
@@ -3308,10 +3332,12 @@
           <a:p>
             <a:pPr algn="ctr"/>
             <a:r>
-              <a:rPr lang="en-US" sz="3600" dirty="0">
+              <a:rPr lang="en-US" sz="2800" spc="50" dirty="0">
                 <a:solidFill>
                   <a:schemeClr val="bg1"/>
                 </a:solidFill>
+                <a:latin typeface="Assistant" panose="00000500000000000000" pitchFamily="2" charset="-79"/>
+                <a:cs typeface="Assistant" panose="00000500000000000000" pitchFamily="2" charset="-79"/>
               </a:rPr>
               <a:t>Scatter our enemies,</a:t>
             </a:r>
@@ -3319,29 +3345,35 @@
           <a:p>
             <a:pPr algn="ctr"/>
             <a:r>
-              <a:rPr lang="en-US" sz="3600" dirty="0">
+              <a:rPr lang="en-US" sz="2800" spc="50" dirty="0">
                 <a:solidFill>
                   <a:schemeClr val="bg1"/>
                 </a:solidFill>
+                <a:latin typeface="Assistant" panose="00000500000000000000" pitchFamily="2" charset="-79"/>
+                <a:cs typeface="Assistant" panose="00000500000000000000" pitchFamily="2" charset="-79"/>
               </a:rPr>
               <a:t>Now make them fall!</a:t>
             </a:r>
           </a:p>
           <a:p>
             <a:pPr algn="ctr"/>
-            <a:endParaRPr lang="en-US" sz="3600" dirty="0">
+            <a:endParaRPr lang="en-US" sz="2800" spc="50" dirty="0">
               <a:solidFill>
                 <a:schemeClr val="bg1"/>
               </a:solidFill>
+              <a:latin typeface="Assistant" panose="00000500000000000000" pitchFamily="2" charset="-79"/>
+              <a:cs typeface="Assistant" panose="00000500000000000000" pitchFamily="2" charset="-79"/>
             </a:endParaRPr>
           </a:p>
           <a:p>
             <a:pPr algn="ctr"/>
             <a:r>
-              <a:rPr lang="en-US" sz="3600" dirty="0">
+              <a:rPr lang="en-US" sz="2800" spc="50" dirty="0">
                 <a:solidFill>
                   <a:schemeClr val="bg1"/>
                 </a:solidFill>
+                <a:latin typeface="Assistant" panose="00000500000000000000" pitchFamily="2" charset="-79"/>
+                <a:cs typeface="Assistant" panose="00000500000000000000" pitchFamily="2" charset="-79"/>
               </a:rPr>
               <a:t>Let Thine Almighty aid,</a:t>
             </a:r>
@@ -3349,10 +3381,12 @@
           <a:p>
             <a:pPr algn="ctr"/>
             <a:r>
-              <a:rPr lang="en-US" sz="3600" dirty="0">
+              <a:rPr lang="en-US" sz="2800" spc="50" dirty="0">
                 <a:solidFill>
                   <a:schemeClr val="bg1"/>
                 </a:solidFill>
+                <a:latin typeface="Assistant" panose="00000500000000000000" pitchFamily="2" charset="-79"/>
+                <a:cs typeface="Assistant" panose="00000500000000000000" pitchFamily="2" charset="-79"/>
               </a:rPr>
               <a:t>Our sure defense be made,</a:t>
             </a:r>
@@ -3360,10 +3394,12 @@
           <a:p>
             <a:pPr algn="ctr"/>
             <a:r>
-              <a:rPr lang="en-US" sz="3600" dirty="0">
+              <a:rPr lang="en-US" sz="2800" spc="50" dirty="0">
                 <a:solidFill>
                   <a:schemeClr val="bg1"/>
                 </a:solidFill>
+                <a:latin typeface="Assistant" panose="00000500000000000000" pitchFamily="2" charset="-79"/>
+                <a:cs typeface="Assistant" panose="00000500000000000000" pitchFamily="2" charset="-79"/>
               </a:rPr>
               <a:t>Our souls on Thee be stayed</a:t>
             </a:r>
@@ -3371,10 +3407,12 @@
           <a:p>
             <a:pPr algn="ctr"/>
             <a:r>
-              <a:rPr lang="en-US" sz="3600" dirty="0">
+              <a:rPr lang="en-US" sz="2800" spc="50" dirty="0">
                 <a:solidFill>
                   <a:schemeClr val="bg1"/>
                 </a:solidFill>
+                <a:latin typeface="Assistant" panose="00000500000000000000" pitchFamily="2" charset="-79"/>
+                <a:cs typeface="Assistant" panose="00000500000000000000" pitchFamily="2" charset="-79"/>
               </a:rPr>
               <a:t>Lord, hear our call!</a:t>
             </a:r>
@@ -3476,8 +3514,8 @@
         </p:nvSpPr>
         <p:spPr>
           <a:xfrm>
-            <a:off x="0" y="5804209"/>
-            <a:ext cx="12192000" cy="830997"/>
+            <a:off x="0" y="5927320"/>
+            <a:ext cx="12192000" cy="584775"/>
           </a:xfrm>
           <a:prstGeom prst="rect">
             <a:avLst/>
@@ -3492,10 +3530,12 @@
           <a:p>
             <a:pPr algn="ctr"/>
             <a:r>
-              <a:rPr lang="en-US" sz="4800" dirty="0">
+              <a:rPr lang="en-US" sz="3200" u="sng" dirty="0">
                 <a:solidFill>
                   <a:schemeClr val="bg1"/>
                 </a:solidFill>
+                <a:latin typeface="Assistant SemiBold" panose="00000700000000000000" pitchFamily="2" charset="-79"/>
+                <a:cs typeface="Assistant SemiBold" panose="00000700000000000000" pitchFamily="2" charset="-79"/>
               </a:rPr>
               <a:t>“Come, Thou Almighty King”</a:t>
             </a:r>
@@ -3510,8 +3550,8 @@
         </p:nvSpPr>
         <p:spPr>
           <a:xfrm>
-            <a:off x="0" y="480444"/>
-            <a:ext cx="12192000" cy="4524315"/>
+            <a:off x="0" y="1027291"/>
+            <a:ext cx="12192000" cy="3539430"/>
           </a:xfrm>
           <a:prstGeom prst="rect">
             <a:avLst/>
@@ -3526,10 +3566,12 @@
           <a:p>
             <a:pPr algn="ctr"/>
             <a:r>
-              <a:rPr lang="en-US" sz="3600" dirty="0">
+              <a:rPr lang="en-US" sz="2800" spc="50" dirty="0">
                 <a:solidFill>
                   <a:schemeClr val="bg1"/>
                 </a:solidFill>
+                <a:latin typeface="Assistant" panose="00000500000000000000" pitchFamily="2" charset="-79"/>
+                <a:cs typeface="Assistant" panose="00000500000000000000" pitchFamily="2" charset="-79"/>
               </a:rPr>
               <a:t>Come, Holy Comforter,</a:t>
             </a:r>
@@ -3537,10 +3579,12 @@
           <a:p>
             <a:pPr algn="ctr"/>
             <a:r>
-              <a:rPr lang="en-US" sz="3600" dirty="0">
+              <a:rPr lang="en-US" sz="2800" spc="50" dirty="0">
                 <a:solidFill>
                   <a:schemeClr val="bg1"/>
                 </a:solidFill>
+                <a:latin typeface="Assistant" panose="00000500000000000000" pitchFamily="2" charset="-79"/>
+                <a:cs typeface="Assistant" panose="00000500000000000000" pitchFamily="2" charset="-79"/>
               </a:rPr>
               <a:t>Thy sacred witness bear</a:t>
             </a:r>
@@ -3548,29 +3592,35 @@
           <a:p>
             <a:pPr algn="ctr"/>
             <a:r>
-              <a:rPr lang="en-US" sz="3600" dirty="0">
+              <a:rPr lang="en-US" sz="2800" spc="50" dirty="0">
                 <a:solidFill>
                   <a:schemeClr val="bg1"/>
                 </a:solidFill>
+                <a:latin typeface="Assistant" panose="00000500000000000000" pitchFamily="2" charset="-79"/>
+                <a:cs typeface="Assistant" panose="00000500000000000000" pitchFamily="2" charset="-79"/>
               </a:rPr>
               <a:t>In this glad hour;</a:t>
             </a:r>
           </a:p>
           <a:p>
             <a:pPr algn="ctr"/>
-            <a:endParaRPr lang="en-US" sz="3600" dirty="0">
+            <a:endParaRPr lang="en-US" sz="2800" spc="50" dirty="0">
               <a:solidFill>
                 <a:schemeClr val="bg1"/>
               </a:solidFill>
+              <a:latin typeface="Assistant" panose="00000500000000000000" pitchFamily="2" charset="-79"/>
+              <a:cs typeface="Assistant" panose="00000500000000000000" pitchFamily="2" charset="-79"/>
             </a:endParaRPr>
           </a:p>
           <a:p>
             <a:pPr algn="ctr"/>
             <a:r>
-              <a:rPr lang="en-US" sz="3600" dirty="0">
+              <a:rPr lang="en-US" sz="2800" spc="50" dirty="0">
                 <a:solidFill>
                   <a:schemeClr val="bg1"/>
                 </a:solidFill>
+                <a:latin typeface="Assistant" panose="00000500000000000000" pitchFamily="2" charset="-79"/>
+                <a:cs typeface="Assistant" panose="00000500000000000000" pitchFamily="2" charset="-79"/>
               </a:rPr>
               <a:t>Thou who Almighty art,</a:t>
             </a:r>
@@ -3578,10 +3628,12 @@
           <a:p>
             <a:pPr algn="ctr"/>
             <a:r>
-              <a:rPr lang="en-US" sz="3600" dirty="0">
+              <a:rPr lang="en-US" sz="2800" spc="50" dirty="0">
                 <a:solidFill>
                   <a:schemeClr val="bg1"/>
                 </a:solidFill>
+                <a:latin typeface="Assistant" panose="00000500000000000000" pitchFamily="2" charset="-79"/>
+                <a:cs typeface="Assistant" panose="00000500000000000000" pitchFamily="2" charset="-79"/>
               </a:rPr>
               <a:t>Now rule in every heart,</a:t>
             </a:r>
@@ -3589,10 +3641,12 @@
           <a:p>
             <a:pPr algn="ctr"/>
             <a:r>
-              <a:rPr lang="en-US" sz="3600" dirty="0">
+              <a:rPr lang="en-US" sz="2800" spc="50" dirty="0">
                 <a:solidFill>
                   <a:schemeClr val="bg1"/>
                 </a:solidFill>
+                <a:latin typeface="Assistant" panose="00000500000000000000" pitchFamily="2" charset="-79"/>
+                <a:cs typeface="Assistant" panose="00000500000000000000" pitchFamily="2" charset="-79"/>
               </a:rPr>
               <a:t>And ne’er from us depart,</a:t>
             </a:r>
@@ -3600,10 +3654,12 @@
           <a:p>
             <a:pPr algn="ctr"/>
             <a:r>
-              <a:rPr lang="en-US" sz="3600" dirty="0">
+              <a:rPr lang="en-US" sz="2800" spc="50" dirty="0">
                 <a:solidFill>
                   <a:schemeClr val="bg1"/>
                 </a:solidFill>
+                <a:latin typeface="Assistant" panose="00000500000000000000" pitchFamily="2" charset="-79"/>
+                <a:cs typeface="Assistant" panose="00000500000000000000" pitchFamily="2" charset="-79"/>
               </a:rPr>
               <a:t>Spirit of power.</a:t>
             </a:r>
